--- a/JS Advanced - 2019.09.16/05. DOM/LAB/JS-Advanced-DOM.pptx
+++ b/JS Advanced - 2019.09.16/05. DOM/LAB/JS-Advanced-DOM.pptx
@@ -343,7 +343,7 @@
           <a:p>
             <a:fld id="{4E087215-0C8F-4762-A664-737A353EC9A4}" type="datetimeFigureOut">
               <a:rPr lang="bg-BG" smtClean="0"/>
-              <a:t>3.10.2019 г.</a:t>
+              <a:t>18.10.2019 г.</a:t>
             </a:fld>
             <a:endParaRPr lang="bg-BG"/>
           </a:p>
@@ -520,7 +520,7 @@
           <a:p>
             <a:fld id="{72D84649-876A-46C9-8472-14CB09C070D8}" type="datetimeFigureOut">
               <a:rPr lang="en-US" smtClean="0"/>
-              <a:t>03-Oct-19</a:t>
+              <a:t>10/18/2019</a:t>
             </a:fld>
             <a:endParaRPr lang="en-US" dirty="0"/>
           </a:p>
@@ -3511,7 +3511,7 @@
             <a:fld id="{055373AC-9AA7-423B-BA00-BA1C74164DBD}" type="datetime1">
               <a:rPr lang="en-US" smtClean="0"/>
               <a:pPr/>
-              <a:t>03-Oct-19</a:t>
+              <a:t>10/18/2019</a:t>
             </a:fld>
             <a:endParaRPr lang="en-US" dirty="0"/>
           </a:p>
@@ -3989,7 +3989,7 @@
             <a:fld id="{055373AC-9AA7-423B-BA00-BA1C74164DBD}" type="datetime1">
               <a:rPr lang="en-US" smtClean="0"/>
               <a:pPr/>
-              <a:t>03-Oct-19</a:t>
+              <a:t>10/18/2019</a:t>
             </a:fld>
             <a:endParaRPr lang="en-US" dirty="0"/>
           </a:p>
@@ -5347,7 +5347,7 @@
             <a:fld id="{055373AC-9AA7-423B-BA00-BA1C74164DBD}" type="datetime1">
               <a:rPr lang="en-US" smtClean="0"/>
               <a:pPr/>
-              <a:t>03-Oct-19</a:t>
+              <a:t>10/18/2019</a:t>
             </a:fld>
             <a:endParaRPr lang="en-US" dirty="0"/>
           </a:p>
@@ -7167,7 +7167,7 @@
             <a:fld id="{055373AC-9AA7-423B-BA00-BA1C74164DBD}" type="datetime1">
               <a:rPr lang="en-US" smtClean="0"/>
               <a:pPr/>
-              <a:t>03-Oct-19</a:t>
+              <a:t>10/18/2019</a:t>
             </a:fld>
             <a:endParaRPr lang="en-US" dirty="0"/>
           </a:p>
@@ -7604,7 +7604,7 @@
             <a:fld id="{055373AC-9AA7-423B-BA00-BA1C74164DBD}" type="datetime1">
               <a:rPr lang="en-US" smtClean="0"/>
               <a:pPr/>
-              <a:t>03-Oct-19</a:t>
+              <a:t>10/18/2019</a:t>
             </a:fld>
             <a:endParaRPr lang="en-US" dirty="0"/>
           </a:p>
@@ -8318,7 +8318,7 @@
             <a:fld id="{055373AC-9AA7-423B-BA00-BA1C74164DBD}" type="datetime1">
               <a:rPr lang="en-US" smtClean="0"/>
               <a:pPr/>
-              <a:t>03-Oct-19</a:t>
+              <a:t>10/18/2019</a:t>
             </a:fld>
             <a:endParaRPr lang="en-US" dirty="0"/>
           </a:p>
@@ -8729,7 +8729,7 @@
             <a:fld id="{055373AC-9AA7-423B-BA00-BA1C74164DBD}" type="datetime1">
               <a:rPr lang="en-US" smtClean="0"/>
               <a:pPr/>
-              <a:t>03-Oct-19</a:t>
+              <a:t>10/18/2019</a:t>
             </a:fld>
             <a:endParaRPr lang="en-US" dirty="0"/>
           </a:p>
@@ -9098,7 +9098,7 @@
             <a:fld id="{055373AC-9AA7-423B-BA00-BA1C74164DBD}" type="datetime1">
               <a:rPr lang="en-US" smtClean="0"/>
               <a:pPr/>
-              <a:t>03-Oct-19</a:t>
+              <a:t>10/18/2019</a:t>
             </a:fld>
             <a:endParaRPr lang="en-US" dirty="0"/>
           </a:p>
@@ -9766,7 +9766,7 @@
             <a:fld id="{055373AC-9AA7-423B-BA00-BA1C74164DBD}" type="datetime1">
               <a:rPr lang="en-US" smtClean="0"/>
               <a:pPr/>
-              <a:t>03-Oct-19</a:t>
+              <a:t>10/18/2019</a:t>
             </a:fld>
             <a:endParaRPr lang="en-US" dirty="0"/>
           </a:p>
@@ -10227,7 +10227,7 @@
             <a:fld id="{055373AC-9AA7-423B-BA00-BA1C74164DBD}" type="datetime1">
               <a:rPr lang="en-US" smtClean="0"/>
               <a:pPr/>
-              <a:t>03-Oct-19</a:t>
+              <a:t>10/18/2019</a:t>
             </a:fld>
             <a:endParaRPr lang="en-US" dirty="0"/>
           </a:p>
@@ -10411,7 +10411,7 @@
             <a:fld id="{055373AC-9AA7-423B-BA00-BA1C74164DBD}" type="datetime1">
               <a:rPr lang="en-US" smtClean="0"/>
               <a:pPr/>
-              <a:t>03-Oct-19</a:t>
+              <a:t>10/18/2019</a:t>
             </a:fld>
             <a:endParaRPr lang="en-US" dirty="0"/>
           </a:p>
@@ -18787,7 +18787,6 @@
               <a:rPr lang="en-US" sz="3000" dirty="0"/>
               <a:t>, even when they have the same name</a:t>
             </a:r>
-            <a:endParaRPr lang="en-US" sz="3000" dirty="0"/>
           </a:p>
         </p:txBody>
       </p:sp>
@@ -22759,384 +22758,6 @@
           </a:p>
         </p:txBody>
       </p:sp>
-      <p:sp>
-        <p:nvSpPr>
-          <p:cNvPr id="14" name="Text Placeholder 5">
-            <a:extLst>
-              <a:ext uri="{FF2B5EF4-FFF2-40B4-BE49-F238E27FC236}">
-                <a16:creationId xmlns:a16="http://schemas.microsoft.com/office/drawing/2014/main" id="{67703AFA-07ED-4545-B8E4-E2C0F051EB91}"/>
-              </a:ext>
-            </a:extLst>
-          </p:cNvPr>
-          <p:cNvSpPr txBox="1">
-            <a:spLocks/>
-          </p:cNvSpPr>
-          <p:nvPr/>
-        </p:nvSpPr>
-        <p:spPr>
-          <a:xfrm>
-            <a:off x="354557" y="2699086"/>
-            <a:ext cx="6438128" cy="956773"/>
-          </a:xfrm>
-          <a:prstGeom prst="rect">
-            <a:avLst/>
-          </a:prstGeom>
-          <a:solidFill>
-            <a:schemeClr val="accent5">
-              <a:lumMod val="40000"/>
-              <a:lumOff val="60000"/>
-              <a:alpha val="20000"/>
-            </a:schemeClr>
-          </a:solidFill>
-          <a:ln w="12700">
-            <a:solidFill>
-              <a:schemeClr val="accent5">
-                <a:lumMod val="60000"/>
-                <a:lumOff val="40000"/>
-              </a:schemeClr>
-            </a:solidFill>
-          </a:ln>
-        </p:spPr>
-        <p:txBody>
-          <a:bodyPr vert="horz" wrap="square" lIns="144000" tIns="108000" rIns="144000" bIns="108000" rtlCol="0">
-            <a:spAutoFit/>
-          </a:bodyPr>
-          <a:lstStyle>
-            <a:lvl1pPr indent="0">
-              <a:lnSpc>
-                <a:spcPct val="100000"/>
-              </a:lnSpc>
-              <a:spcBef>
-                <a:spcPts val="0"/>
-              </a:spcBef>
-              <a:spcAft>
-                <a:spcPts val="0"/>
-              </a:spcAft>
-              <a:buClr>
-                <a:srgbClr val="F2B254"/>
-              </a:buClr>
-              <a:buSzPct val="100000"/>
-              <a:buFont typeface="Wingdings" panose="05000000000000000000" pitchFamily="2" charset="2"/>
-              <a:buNone/>
-              <a:defRPr lang="en-US" b="1" noProof="1" smtClean="0">
-                <a:solidFill>
-                  <a:srgbClr val="FBEEDC"/>
-                </a:solidFill>
-                <a:effectLst>
-                  <a:outerShdw blurRad="38100" dist="38100" dir="2700000" algn="tl">
-                    <a:srgbClr val="000000">
-                      <a:alpha val="43137"/>
-                    </a:srgbClr>
-                  </a:outerShdw>
-                </a:effectLst>
-                <a:latin typeface="Consolas" pitchFamily="49" charset="0"/>
-                <a:cs typeface="Consolas" pitchFamily="49" charset="0"/>
-              </a:defRPr>
-            </a:lvl1pPr>
-            <a:lvl2pPr indent="-231606">
-              <a:lnSpc>
-                <a:spcPct val="105000"/>
-              </a:lnSpc>
-              <a:spcBef>
-                <a:spcPts val="600"/>
-              </a:spcBef>
-              <a:spcAft>
-                <a:spcPts val="600"/>
-              </a:spcAft>
-              <a:buClr>
-                <a:schemeClr val="accent1"/>
-              </a:buClr>
-              <a:buSzPct val="80000"/>
-              <a:buFont typeface="Wingdings" panose="05000000000000000000" pitchFamily="2" charset="2"/>
-              <a:buChar char="§"/>
-              <a:defRPr sz="3200" b="0"/>
-            </a:lvl2pPr>
-            <a:lvl3pPr marL="914240" indent="-231606">
-              <a:lnSpc>
-                <a:spcPct val="105000"/>
-              </a:lnSpc>
-              <a:spcBef>
-                <a:spcPts val="600"/>
-              </a:spcBef>
-              <a:spcAft>
-                <a:spcPts val="600"/>
-              </a:spcAft>
-              <a:buClr>
-                <a:srgbClr val="EF9A1D"/>
-              </a:buClr>
-              <a:buSzPct val="80000"/>
-              <a:buFont typeface="Wingdings" panose="05000000000000000000" pitchFamily="2" charset="2"/>
-              <a:buChar char="§"/>
-              <a:defRPr sz="3000" b="0"/>
-            </a:lvl3pPr>
-            <a:lvl4pPr marL="1218987" indent="-231606">
-              <a:lnSpc>
-                <a:spcPct val="105000"/>
-              </a:lnSpc>
-              <a:spcBef>
-                <a:spcPts val="600"/>
-              </a:spcBef>
-              <a:spcAft>
-                <a:spcPts val="600"/>
-              </a:spcAft>
-              <a:buClr>
-                <a:srgbClr val="ED9411"/>
-              </a:buClr>
-              <a:buSzPct val="80000"/>
-              <a:buFont typeface="Wingdings" panose="05000000000000000000" pitchFamily="2" charset="2"/>
-              <a:buChar char="§"/>
-              <a:defRPr sz="2800" b="0"/>
-            </a:lvl4pPr>
-            <a:lvl5pPr marL="1523733" indent="-231606">
-              <a:lnSpc>
-                <a:spcPct val="105000"/>
-              </a:lnSpc>
-              <a:spcBef>
-                <a:spcPts val="600"/>
-              </a:spcBef>
-              <a:spcAft>
-                <a:spcPts val="600"/>
-              </a:spcAft>
-              <a:buClr>
-                <a:srgbClr val="E28D10"/>
-              </a:buClr>
-              <a:buSzPct val="80000"/>
-              <a:buFont typeface="Wingdings" panose="05000000000000000000" pitchFamily="2" charset="2"/>
-              <a:buChar char="§"/>
-              <a:defRPr sz="2600" b="0"/>
-            </a:lvl5pPr>
-            <a:lvl6pPr marL="1828480" indent="-231606">
-              <a:lnSpc>
-                <a:spcPct val="90000"/>
-              </a:lnSpc>
-              <a:spcBef>
-                <a:spcPts val="800"/>
-              </a:spcBef>
-              <a:buClr>
-                <a:schemeClr val="accent1"/>
-              </a:buClr>
-              <a:buSzPct val="80000"/>
-              <a:buFont typeface="Arial" pitchFamily="34" charset="0"/>
-              <a:buChar char="•"/>
-              <a:defRPr sz="2000"/>
-            </a:lvl6pPr>
-            <a:lvl7pPr marL="2133227" indent="-231606">
-              <a:lnSpc>
-                <a:spcPct val="90000"/>
-              </a:lnSpc>
-              <a:spcBef>
-                <a:spcPts val="800"/>
-              </a:spcBef>
-              <a:buClr>
-                <a:schemeClr val="accent1"/>
-              </a:buClr>
-              <a:buSzPct val="80000"/>
-              <a:buFont typeface="Arial" pitchFamily="34" charset="0"/>
-              <a:buChar char="•"/>
-              <a:defRPr sz="2000"/>
-            </a:lvl7pPr>
-            <a:lvl8pPr marL="2437972" indent="-231606">
-              <a:lnSpc>
-                <a:spcPct val="90000"/>
-              </a:lnSpc>
-              <a:spcBef>
-                <a:spcPts val="800"/>
-              </a:spcBef>
-              <a:buClr>
-                <a:schemeClr val="accent1"/>
-              </a:buClr>
-              <a:buSzPct val="80000"/>
-              <a:buFont typeface="Arial" pitchFamily="34" charset="0"/>
-              <a:buChar char="•"/>
-              <a:defRPr sz="2000" baseline="0"/>
-            </a:lvl8pPr>
-            <a:lvl9pPr marL="2742720" indent="-231606">
-              <a:lnSpc>
-                <a:spcPct val="90000"/>
-              </a:lnSpc>
-              <a:spcBef>
-                <a:spcPts val="800"/>
-              </a:spcBef>
-              <a:buClr>
-                <a:schemeClr val="accent1"/>
-              </a:buClr>
-              <a:buSzPct val="80000"/>
-              <a:buFont typeface="Arial" pitchFamily="34" charset="0"/>
-              <a:buChar char="•"/>
-              <a:defRPr sz="2000" baseline="0"/>
-            </a:lvl9pPr>
-          </a:lstStyle>
-          <a:p>
-            <a:r>
-              <a:rPr lang="en-US" sz="2400" b="0" dirty="0">
-                <a:solidFill>
-                  <a:srgbClr val="800000"/>
-                </a:solidFill>
-                <a:effectLst/>
-              </a:rPr>
-              <a:t>&lt;input</a:t>
-            </a:r>
-            <a:r>
-              <a:rPr lang="en-US" sz="2400" b="0" dirty="0">
-                <a:solidFill>
-                  <a:srgbClr val="000000"/>
-                </a:solidFill>
-                <a:effectLst/>
-              </a:rPr>
-              <a:t> </a:t>
-            </a:r>
-            <a:r>
-              <a:rPr lang="en-US" sz="2400" b="0" dirty="0">
-                <a:solidFill>
-                  <a:srgbClr val="FF0000"/>
-                </a:solidFill>
-                <a:effectLst/>
-              </a:rPr>
-              <a:t>type</a:t>
-            </a:r>
-            <a:r>
-              <a:rPr lang="en-US" sz="2400" b="0" dirty="0">
-                <a:solidFill>
-                  <a:srgbClr val="000000"/>
-                </a:solidFill>
-                <a:effectLst/>
-              </a:rPr>
-              <a:t>=</a:t>
-            </a:r>
-            <a:r>
-              <a:rPr lang="en-US" sz="2400" b="0" dirty="0">
-                <a:solidFill>
-                  <a:srgbClr val="0000FF"/>
-                </a:solidFill>
-                <a:effectLst/>
-              </a:rPr>
-              <a:t>"text"</a:t>
-            </a:r>
-            <a:r>
-              <a:rPr lang="en-US" sz="2400" b="0" dirty="0">
-                <a:solidFill>
-                  <a:srgbClr val="000000"/>
-                </a:solidFill>
-                <a:effectLst/>
-              </a:rPr>
-              <a:t> </a:t>
-            </a:r>
-            <a:r>
-              <a:rPr lang="en-US" sz="2400" b="0" dirty="0">
-                <a:solidFill>
-                  <a:srgbClr val="FF0000"/>
-                </a:solidFill>
-                <a:effectLst/>
-              </a:rPr>
-              <a:t>name</a:t>
-            </a:r>
-            <a:r>
-              <a:rPr lang="en-US" sz="2400" b="0" dirty="0">
-                <a:solidFill>
-                  <a:srgbClr val="000000"/>
-                </a:solidFill>
-                <a:effectLst/>
-              </a:rPr>
-              <a:t>=</a:t>
-            </a:r>
-            <a:r>
-              <a:rPr lang="en-US" sz="2400" b="0" dirty="0">
-                <a:solidFill>
-                  <a:srgbClr val="0000FF"/>
-                </a:solidFill>
-                <a:effectLst/>
-              </a:rPr>
-              <a:t>"username"</a:t>
-            </a:r>
-            <a:r>
-              <a:rPr lang="en-US" sz="2400" b="0" dirty="0">
-                <a:solidFill>
-                  <a:srgbClr val="800000"/>
-                </a:solidFill>
-                <a:effectLst/>
-              </a:rPr>
-              <a:t>/&gt;</a:t>
-            </a:r>
-            <a:endParaRPr lang="en-US" sz="2400" b="0" dirty="0">
-              <a:solidFill>
-                <a:srgbClr val="000000"/>
-              </a:solidFill>
-              <a:effectLst/>
-            </a:endParaRPr>
-          </a:p>
-          <a:p>
-            <a:r>
-              <a:rPr lang="en-US" sz="2400" b="0" dirty="0">
-                <a:solidFill>
-                  <a:srgbClr val="800000"/>
-                </a:solidFill>
-                <a:effectLst/>
-              </a:rPr>
-              <a:t>&lt;input</a:t>
-            </a:r>
-            <a:r>
-              <a:rPr lang="en-US" sz="2400" b="0" dirty="0">
-                <a:solidFill>
-                  <a:srgbClr val="000000"/>
-                </a:solidFill>
-                <a:effectLst/>
-              </a:rPr>
-              <a:t> </a:t>
-            </a:r>
-            <a:r>
-              <a:rPr lang="en-US" sz="2400" b="0" dirty="0">
-                <a:solidFill>
-                  <a:srgbClr val="FF0000"/>
-                </a:solidFill>
-                <a:effectLst/>
-              </a:rPr>
-              <a:t>type</a:t>
-            </a:r>
-            <a:r>
-              <a:rPr lang="en-US" sz="2400" b="0" dirty="0">
-                <a:solidFill>
-                  <a:srgbClr val="000000"/>
-                </a:solidFill>
-                <a:effectLst/>
-              </a:rPr>
-              <a:t>=</a:t>
-            </a:r>
-            <a:r>
-              <a:rPr lang="en-US" sz="2400" b="0" dirty="0">
-                <a:solidFill>
-                  <a:srgbClr val="0000FF"/>
-                </a:solidFill>
-                <a:effectLst/>
-              </a:rPr>
-              <a:t>"password"</a:t>
-            </a:r>
-            <a:r>
-              <a:rPr lang="en-US" sz="2400" b="0" dirty="0">
-                <a:solidFill>
-                  <a:srgbClr val="000000"/>
-                </a:solidFill>
-                <a:effectLst/>
-              </a:rPr>
-              <a:t> </a:t>
-            </a:r>
-            <a:r>
-              <a:rPr lang="en-US" sz="2400" b="0" dirty="0">
-                <a:solidFill>
-                  <a:srgbClr val="800000"/>
-                </a:solidFill>
-                <a:effectLst/>
-              </a:rPr>
-              <a:t>/&gt;</a:t>
-            </a:r>
-            <a:endParaRPr lang="en-US" sz="2400" b="0" dirty="0">
-              <a:solidFill>
-                <a:srgbClr val="000000"/>
-              </a:solidFill>
-              <a:effectLst/>
-            </a:endParaRPr>
-          </a:p>
-        </p:txBody>
-      </p:sp>
     </p:spTree>
     <p:extLst>
       <p:ext uri="{BB962C8B-B14F-4D97-AF65-F5344CB8AC3E}">
@@ -23167,9 +22788,6 @@
                     <p:cTn id="3" fill="hold">
                       <p:stCondLst>
                         <p:cond delay="indefinite"/>
-                        <p:cond evt="onBegin" delay="0">
-                          <p:tn val="2"/>
-                        </p:cond>
                       </p:stCondLst>
                       <p:childTnLst>
                         <p:par>
@@ -23179,7 +22797,7 @@
                             </p:stCondLst>
                             <p:childTnLst>
                               <p:par>
-                                <p:cTn id="5" presetID="1" presetClass="entr" presetSubtype="0" fill="hold" grpId="0" nodeType="withEffect">
+                                <p:cTn id="5" presetID="1" presetClass="entr" presetSubtype="0" fill="hold" grpId="0" nodeType="clickEffect">
                                   <p:stCondLst>
                                     <p:cond delay="0"/>
                                   </p:stCondLst>
@@ -23192,7 +22810,7 @@
                                           </p:stCondLst>
                                         </p:cTn>
                                         <p:tgtEl>
-                                          <p:spTgt spid="14"/>
+                                          <p:spTgt spid="7"/>
                                         </p:tgtEl>
                                         <p:attrNameLst>
                                           <p:attrName>style.visibility</p:attrName>
@@ -23237,51 +22855,6 @@
                                           </p:stCondLst>
                                         </p:cTn>
                                         <p:tgtEl>
-                                          <p:spTgt spid="7"/>
-                                        </p:tgtEl>
-                                        <p:attrNameLst>
-                                          <p:attrName>style.visibility</p:attrName>
-                                        </p:attrNameLst>
-                                      </p:cBhvr>
-                                      <p:to>
-                                        <p:strVal val="visible"/>
-                                      </p:to>
-                                    </p:set>
-                                  </p:childTnLst>
-                                </p:cTn>
-                              </p:par>
-                            </p:childTnLst>
-                          </p:cTn>
-                        </p:par>
-                      </p:childTnLst>
-                    </p:cTn>
-                  </p:par>
-                  <p:par>
-                    <p:cTn id="11" fill="hold">
-                      <p:stCondLst>
-                        <p:cond delay="indefinite"/>
-                      </p:stCondLst>
-                      <p:childTnLst>
-                        <p:par>
-                          <p:cTn id="12" fill="hold">
-                            <p:stCondLst>
-                              <p:cond delay="0"/>
-                            </p:stCondLst>
-                            <p:childTnLst>
-                              <p:par>
-                                <p:cTn id="13" presetID="1" presetClass="entr" presetSubtype="0" fill="hold" grpId="0" nodeType="clickEffect">
-                                  <p:stCondLst>
-                                    <p:cond delay="0"/>
-                                  </p:stCondLst>
-                                  <p:childTnLst>
-                                    <p:set>
-                                      <p:cBhvr>
-                                        <p:cTn id="14" dur="1" fill="hold">
-                                          <p:stCondLst>
-                                            <p:cond delay="0"/>
-                                          </p:stCondLst>
-                                        </p:cTn>
-                                        <p:tgtEl>
                                           <p:spTgt spid="5"/>
                                         </p:tgtEl>
                                         <p:attrNameLst>
@@ -23290,33 +22863,6 @@
                                       </p:cBhvr>
                                       <p:to>
                                         <p:strVal val="visible"/>
-                                      </p:to>
-                                    </p:set>
-                                  </p:childTnLst>
-                                </p:cTn>
-                              </p:par>
-                              <p:par>
-                                <p:cTn id="15" presetID="1" presetClass="exit" presetSubtype="0" fill="hold" grpId="1" nodeType="withEffect">
-                                  <p:stCondLst>
-                                    <p:cond delay="0"/>
-                                  </p:stCondLst>
-                                  <p:childTnLst>
-                                    <p:set>
-                                      <p:cBhvr>
-                                        <p:cTn id="16" dur="1" fill="hold">
-                                          <p:stCondLst>
-                                            <p:cond delay="0"/>
-                                          </p:stCondLst>
-                                        </p:cTn>
-                                        <p:tgtEl>
-                                          <p:spTgt spid="14"/>
-                                        </p:tgtEl>
-                                        <p:attrNameLst>
-                                          <p:attrName>style.visibility</p:attrName>
-                                        </p:attrNameLst>
-                                      </p:cBhvr>
-                                      <p:to>
-                                        <p:strVal val="hidden"/>
                                       </p:to>
                                     </p:set>
                                   </p:childTnLst>
@@ -23352,8 +22898,6 @@
     <p:bldLst>
       <p:bldP spid="5" grpId="0" animBg="1"/>
       <p:bldP spid="7" grpId="0" animBg="1"/>
-      <p:bldP spid="14" grpId="0" animBg="1"/>
-      <p:bldP spid="14" grpId="1" animBg="1"/>
     </p:bldLst>
   </p:timing>
 </p:sld>
@@ -27340,10 +26884,152 @@
       </p:sp>
       <p:sp>
         <p:nvSpPr>
-          <p:cNvPr id="8" name="Text Placeholder 5">
+          <p:cNvPr id="2" name="Text Placeholder 1">
             <a:extLst>
               <a:ext uri="{FF2B5EF4-FFF2-40B4-BE49-F238E27FC236}">
-                <a16:creationId xmlns:a16="http://schemas.microsoft.com/office/drawing/2014/main" id="{DC16316D-4A59-4C3C-AF5C-2233F7620EA3}"/>
+                <a16:creationId xmlns:a16="http://schemas.microsoft.com/office/drawing/2014/main" id="{E03FA0A6-7BD6-4078-9D9C-18682D0C8ED3}"/>
+              </a:ext>
+            </a:extLst>
+          </p:cNvPr>
+          <p:cNvSpPr>
+            <a:spLocks noGrp="1"/>
+          </p:cNvSpPr>
+          <p:nvPr>
+            <p:ph type="body" sz="quarter" idx="10"/>
+          </p:nvPr>
+        </p:nvSpPr>
+        <p:spPr/>
+        <p:txBody>
+          <a:bodyPr/>
+          <a:lstStyle/>
+          <a:p>
+            <a:pPr marL="0" indent="0">
+              <a:buNone/>
+            </a:pPr>
+            <a:r>
+              <a:rPr lang="en-US" b="1" dirty="0">
+                <a:solidFill>
+                  <a:schemeClr val="bg1"/>
+                </a:solidFill>
+                <a:latin typeface="Consolas" panose="020B0609020204030204" pitchFamily="49" charset="0"/>
+              </a:rPr>
+              <a:t>classList</a:t>
+            </a:r>
+            <a:r>
+              <a:rPr lang="en-US" b="1" dirty="0">
+                <a:solidFill>
+                  <a:schemeClr val="bg1"/>
+                </a:solidFill>
+              </a:rPr>
+              <a:t> Methods</a:t>
+            </a:r>
+          </a:p>
+          <a:p>
+            <a:pPr marL="0" indent="0">
+              <a:buNone/>
+            </a:pPr>
+            <a:endParaRPr lang="en-US" b="1" dirty="0">
+              <a:solidFill>
+                <a:schemeClr val="bg1"/>
+              </a:solidFill>
+            </a:endParaRPr>
+          </a:p>
+          <a:p>
+            <a:pPr>
+              <a:buClr>
+                <a:schemeClr val="tx1"/>
+              </a:buClr>
+            </a:pPr>
+            <a:r>
+              <a:rPr lang="en-US" b="1" dirty="0">
+                <a:solidFill>
+                  <a:schemeClr val="bg1"/>
+                </a:solidFill>
+                <a:latin typeface="Consolas" panose="020B0609020204030204" pitchFamily="49" charset="0"/>
+              </a:rPr>
+              <a:t>add()</a:t>
+            </a:r>
+            <a:r>
+              <a:rPr lang="en-US" b="1" dirty="0"/>
+              <a:t> - </a:t>
+            </a:r>
+            <a:r>
+              <a:rPr lang="en-US" dirty="0"/>
+              <a:t>Adds the specified class values</a:t>
+            </a:r>
+            <a:endParaRPr lang="en-US" b="1" dirty="0"/>
+          </a:p>
+          <a:p>
+            <a:pPr marL="0" indent="0">
+              <a:buClr>
+                <a:schemeClr val="tx1"/>
+              </a:buClr>
+              <a:buNone/>
+            </a:pPr>
+            <a:endParaRPr lang="en-US" b="1" dirty="0"/>
+          </a:p>
+          <a:p>
+            <a:pPr>
+              <a:buClr>
+                <a:schemeClr val="tx1"/>
+              </a:buClr>
+            </a:pPr>
+            <a:r>
+              <a:rPr lang="en-US" b="1" dirty="0">
+                <a:solidFill>
+                  <a:schemeClr val="bg1"/>
+                </a:solidFill>
+                <a:latin typeface="Consolas" panose="020B0609020204030204" pitchFamily="49" charset="0"/>
+              </a:rPr>
+              <a:t>remove()</a:t>
+            </a:r>
+            <a:r>
+              <a:rPr lang="en-US" b="1" dirty="0"/>
+              <a:t> - </a:t>
+            </a:r>
+            <a:r>
+              <a:rPr lang="en-US" dirty="0"/>
+              <a:t>Removes the specified class values</a:t>
+            </a:r>
+            <a:endParaRPr lang="en-US" b="1" dirty="0"/>
+          </a:p>
+        </p:txBody>
+      </p:sp>
+      <p:sp>
+        <p:nvSpPr>
+          <p:cNvPr id="3" name="Title 2">
+            <a:extLst>
+              <a:ext uri="{FF2B5EF4-FFF2-40B4-BE49-F238E27FC236}">
+                <a16:creationId xmlns:a16="http://schemas.microsoft.com/office/drawing/2014/main" id="{E6C585F1-90D3-47A7-9BD8-6D8B588C18CF}"/>
+              </a:ext>
+            </a:extLst>
+          </p:cNvPr>
+          <p:cNvSpPr>
+            <a:spLocks noGrp="1"/>
+          </p:cNvSpPr>
+          <p:nvPr>
+            <p:ph type="title"/>
+          </p:nvPr>
+        </p:nvSpPr>
+        <p:spPr/>
+        <p:txBody>
+          <a:bodyPr/>
+          <a:lstStyle/>
+          <a:p>
+            <a:r>
+              <a:rPr lang="en-US" dirty="0"/>
+              <a:t>HTML Attributes and Methods</a:t>
+            </a:r>
+            <a:endParaRPr lang="bg-BG" dirty="0"/>
+          </a:p>
+        </p:txBody>
+      </p:sp>
+      <p:sp>
+        <p:nvSpPr>
+          <p:cNvPr id="4" name="Text Placeholder 5">
+            <a:extLst>
+              <a:ext uri="{FF2B5EF4-FFF2-40B4-BE49-F238E27FC236}">
+                <a16:creationId xmlns:a16="http://schemas.microsoft.com/office/drawing/2014/main" id="{86669D5C-49A2-445A-AE17-AA2375AA6700}"/>
               </a:ext>
             </a:extLst>
           </p:cNvPr>
@@ -27354,8 +27040,8 @@
         </p:nvSpPr>
         <p:spPr>
           <a:xfrm>
-            <a:off x="506441" y="1914846"/>
-            <a:ext cx="8493867" cy="587441"/>
+            <a:off x="506441" y="3343248"/>
+            <a:ext cx="10405396" cy="587441"/>
           </a:xfrm>
           <a:prstGeom prst="rect">
             <a:avLst/>
@@ -27547,31 +27233,31 @@
           </a:lstStyle>
           <a:p>
             <a:r>
-              <a:rPr lang="en-US" sz="2400" b="0" dirty="0">
-                <a:solidFill>
-                  <a:srgbClr val="800000"/>
-                </a:solidFill>
-                <a:effectLst/>
-              </a:rPr>
-              <a:t>&lt;div</a:t>
-            </a:r>
-            <a:r>
-              <a:rPr lang="en-US" sz="2400" b="0" dirty="0">
+              <a:rPr lang="en-US" sz="2400" b="0" dirty="0" err="1">
+                <a:solidFill>
+                  <a:srgbClr val="267F99"/>
+                </a:solidFill>
+                <a:effectLst/>
+              </a:rPr>
+              <a:t>document</a:t>
+            </a:r>
+            <a:r>
+              <a:rPr lang="en-US" sz="2400" b="0" dirty="0" err="1">
                 <a:solidFill>
                   <a:srgbClr val="000000"/>
                 </a:solidFill>
                 <a:effectLst/>
               </a:rPr>
-              <a:t> </a:t>
-            </a:r>
-            <a:r>
-              <a:rPr lang="en-US" sz="2400" b="0" dirty="0">
-                <a:solidFill>
-                  <a:srgbClr val="FF0000"/>
-                </a:solidFill>
-                <a:effectLst/>
-              </a:rPr>
-              <a:t>class</a:t>
+              <a:t>.</a:t>
+            </a:r>
+            <a:r>
+              <a:rPr lang="en-US" sz="2400" b="0" dirty="0" err="1">
+                <a:solidFill>
+                  <a:srgbClr val="795E26"/>
+                </a:solidFill>
+                <a:effectLst/>
+              </a:rPr>
+              <a:t>getElementById</a:t>
             </a:r>
             <a:r>
               <a:rPr lang="en-US" sz="2400" b="0" dirty="0">
@@ -27580,21 +27266,93 @@
                 </a:solidFill>
                 <a:effectLst/>
               </a:rPr>
-              <a:t>=</a:t>
-            </a:r>
-            <a:r>
-              <a:rPr lang="en-US" sz="2400" b="0" dirty="0">
-                <a:solidFill>
-                  <a:srgbClr val="0000FF"/>
-                </a:solidFill>
-                <a:effectLst/>
-              </a:rPr>
-              <a:t>"div root </a:t>
+              <a:t>(</a:t>
+            </a:r>
+            <a:r>
+              <a:rPr lang="en-US" sz="2400" b="0" dirty="0">
+                <a:solidFill>
+                  <a:srgbClr val="A31515"/>
+                </a:solidFill>
+                <a:effectLst/>
+              </a:rPr>
+              <a:t>'</a:t>
             </a:r>
             <a:r>
               <a:rPr lang="en-US" sz="2400" b="0" dirty="0" err="1">
                 <a:solidFill>
-                  <a:srgbClr val="0000FF"/>
+                  <a:srgbClr val="A31515"/>
+                </a:solidFill>
+                <a:effectLst/>
+              </a:rPr>
+              <a:t>myDiv</a:t>
+            </a:r>
+            <a:r>
+              <a:rPr lang="en-US" sz="2400" b="0" dirty="0">
+                <a:solidFill>
+                  <a:srgbClr val="A31515"/>
+                </a:solidFill>
+                <a:effectLst/>
+              </a:rPr>
+              <a:t>'</a:t>
+            </a:r>
+            <a:r>
+              <a:rPr lang="en-US" sz="2400" b="0" dirty="0">
+                <a:solidFill>
+                  <a:srgbClr val="000000"/>
+                </a:solidFill>
+                <a:effectLst/>
+              </a:rPr>
+              <a:t>).</a:t>
+            </a:r>
+            <a:r>
+              <a:rPr lang="en-US" sz="2400" b="0" dirty="0" err="1">
+                <a:solidFill>
+                  <a:srgbClr val="001080"/>
+                </a:solidFill>
+                <a:effectLst/>
+              </a:rPr>
+              <a:t>classList</a:t>
+            </a:r>
+            <a:r>
+              <a:rPr lang="en-US" sz="2400" b="0" dirty="0" err="1">
+                <a:solidFill>
+                  <a:srgbClr val="000000"/>
+                </a:solidFill>
+                <a:effectLst/>
+              </a:rPr>
+              <a:t>.</a:t>
+            </a:r>
+            <a:r>
+              <a:rPr lang="en-US" sz="2400" b="0" dirty="0" err="1">
+                <a:solidFill>
+                  <a:srgbClr val="795E26"/>
+                </a:solidFill>
+                <a:effectLst/>
+              </a:rPr>
+              <a:t>add</a:t>
+            </a:r>
+            <a:r>
+              <a:rPr lang="en-US" sz="2400" b="0" dirty="0">
+                <a:solidFill>
+                  <a:srgbClr val="000000"/>
+                </a:solidFill>
+                <a:effectLst/>
+              </a:rPr>
+              <a:t>(</a:t>
+            </a:r>
+            <a:r>
+              <a:rPr lang="en-US" sz="2400" b="0" dirty="0">
+                <a:solidFill>
+                  <a:srgbClr val="A31515"/>
+                </a:solidFill>
+                <a:effectLst/>
+              </a:rPr>
+              <a:t>'</a:t>
+            </a:r>
+            <a:r>
+              <a:rPr lang="en-US" sz="2400" b="0" dirty="0" err="1">
+                <a:solidFill>
+                  <a:srgbClr val="A31515"/>
                 </a:solidFill>
                 <a:effectLst/>
               </a:rPr>
@@ -27603,178 +27361,30 @@
             <a:r>
               <a:rPr lang="en-US" sz="2400" b="0" dirty="0">
                 <a:solidFill>
-                  <a:srgbClr val="0000FF"/>
-                </a:solidFill>
-                <a:effectLst/>
-              </a:rPr>
-              <a:t>"</a:t>
-            </a:r>
-            <a:r>
-              <a:rPr lang="en-US" sz="2400" b="0" dirty="0">
-                <a:solidFill>
-                  <a:srgbClr val="800000"/>
-                </a:solidFill>
-                <a:effectLst/>
-              </a:rPr>
-              <a:t>&gt;&lt;/div&gt;</a:t>
-            </a:r>
-            <a:endParaRPr lang="en-US" sz="2400" b="0" dirty="0">
-              <a:solidFill>
-                <a:srgbClr val="000000"/>
-              </a:solidFill>
-              <a:effectLst/>
-            </a:endParaRPr>
+                  <a:srgbClr val="A31515"/>
+                </a:solidFill>
+                <a:effectLst/>
+              </a:rPr>
+              <a:t>'</a:t>
+            </a:r>
+            <a:r>
+              <a:rPr lang="en-US" sz="2400" b="0" dirty="0">
+                <a:solidFill>
+                  <a:srgbClr val="000000"/>
+                </a:solidFill>
+                <a:effectLst/>
+              </a:rPr>
+              <a:t>);</a:t>
+            </a:r>
           </a:p>
         </p:txBody>
       </p:sp>
       <p:sp>
         <p:nvSpPr>
-          <p:cNvPr id="2" name="Text Placeholder 1">
+          <p:cNvPr id="5" name="Text Placeholder 5">
             <a:extLst>
               <a:ext uri="{FF2B5EF4-FFF2-40B4-BE49-F238E27FC236}">
-                <a16:creationId xmlns:a16="http://schemas.microsoft.com/office/drawing/2014/main" id="{E03FA0A6-7BD6-4078-9D9C-18682D0C8ED3}"/>
-              </a:ext>
-            </a:extLst>
-          </p:cNvPr>
-          <p:cNvSpPr>
-            <a:spLocks noGrp="1"/>
-          </p:cNvSpPr>
-          <p:nvPr>
-            <p:ph type="body" sz="quarter" idx="10"/>
-          </p:nvPr>
-        </p:nvSpPr>
-        <p:spPr/>
-        <p:txBody>
-          <a:bodyPr/>
-          <a:lstStyle/>
-          <a:p>
-            <a:pPr marL="0" indent="0">
-              <a:buNone/>
-            </a:pPr>
-            <a:r>
-              <a:rPr lang="en-US" b="1" dirty="0">
-                <a:solidFill>
-                  <a:schemeClr val="bg1"/>
-                </a:solidFill>
-                <a:latin typeface="Consolas" panose="020B0609020204030204" pitchFamily="49" charset="0"/>
-              </a:rPr>
-              <a:t>classList</a:t>
-            </a:r>
-            <a:r>
-              <a:rPr lang="en-US" b="1" dirty="0">
-                <a:solidFill>
-                  <a:schemeClr val="bg1"/>
-                </a:solidFill>
-              </a:rPr>
-              <a:t> Methods</a:t>
-            </a:r>
-          </a:p>
-          <a:p>
-            <a:pPr marL="0" indent="0">
-              <a:buNone/>
-            </a:pPr>
-            <a:endParaRPr lang="en-US" b="1" dirty="0">
-              <a:solidFill>
-                <a:schemeClr val="bg1"/>
-              </a:solidFill>
-            </a:endParaRPr>
-          </a:p>
-          <a:p>
-            <a:pPr>
-              <a:buClr>
-                <a:schemeClr val="tx1"/>
-              </a:buClr>
-            </a:pPr>
-            <a:r>
-              <a:rPr lang="en-US" b="1" dirty="0">
-                <a:solidFill>
-                  <a:schemeClr val="bg1"/>
-                </a:solidFill>
-                <a:latin typeface="Consolas" panose="020B0609020204030204" pitchFamily="49" charset="0"/>
-              </a:rPr>
-              <a:t>add()</a:t>
-            </a:r>
-            <a:r>
-              <a:rPr lang="en-US" b="1" dirty="0"/>
-              <a:t> - </a:t>
-            </a:r>
-            <a:r>
-              <a:rPr lang="en-US" dirty="0"/>
-              <a:t>Adds the specified class values</a:t>
-            </a:r>
-            <a:endParaRPr lang="en-US" b="1" dirty="0"/>
-          </a:p>
-          <a:p>
-            <a:pPr marL="0" indent="0">
-              <a:buClr>
-                <a:schemeClr val="tx1"/>
-              </a:buClr>
-              <a:buNone/>
-            </a:pPr>
-            <a:endParaRPr lang="en-US" b="1" dirty="0"/>
-          </a:p>
-          <a:p>
-            <a:pPr>
-              <a:buClr>
-                <a:schemeClr val="tx1"/>
-              </a:buClr>
-            </a:pPr>
-            <a:r>
-              <a:rPr lang="en-US" b="1" dirty="0">
-                <a:solidFill>
-                  <a:schemeClr val="bg1"/>
-                </a:solidFill>
-                <a:latin typeface="Consolas" panose="020B0609020204030204" pitchFamily="49" charset="0"/>
-              </a:rPr>
-              <a:t>remove()</a:t>
-            </a:r>
-            <a:r>
-              <a:rPr lang="en-US" b="1" dirty="0"/>
-              <a:t> - </a:t>
-            </a:r>
-            <a:r>
-              <a:rPr lang="en-US" dirty="0"/>
-              <a:t>Removes the specified class values</a:t>
-            </a:r>
-            <a:endParaRPr lang="en-US" b="1" dirty="0"/>
-          </a:p>
-        </p:txBody>
-      </p:sp>
-      <p:sp>
-        <p:nvSpPr>
-          <p:cNvPr id="3" name="Title 2">
-            <a:extLst>
-              <a:ext uri="{FF2B5EF4-FFF2-40B4-BE49-F238E27FC236}">
-                <a16:creationId xmlns:a16="http://schemas.microsoft.com/office/drawing/2014/main" id="{E6C585F1-90D3-47A7-9BD8-6D8B588C18CF}"/>
-              </a:ext>
-            </a:extLst>
-          </p:cNvPr>
-          <p:cNvSpPr>
-            <a:spLocks noGrp="1"/>
-          </p:cNvSpPr>
-          <p:nvPr>
-            <p:ph type="title"/>
-          </p:nvPr>
-        </p:nvSpPr>
-        <p:spPr/>
-        <p:txBody>
-          <a:bodyPr/>
-          <a:lstStyle/>
-          <a:p>
-            <a:r>
-              <a:rPr lang="en-US" dirty="0"/>
-              <a:t>HTML Attributes and Methods</a:t>
-            </a:r>
-            <a:endParaRPr lang="bg-BG" dirty="0"/>
-          </a:p>
-        </p:txBody>
-      </p:sp>
-      <p:sp>
-        <p:nvSpPr>
-          <p:cNvPr id="4" name="Text Placeholder 5">
-            <a:extLst>
-              <a:ext uri="{FF2B5EF4-FFF2-40B4-BE49-F238E27FC236}">
-                <a16:creationId xmlns:a16="http://schemas.microsoft.com/office/drawing/2014/main" id="{86669D5C-49A2-445A-AE17-AA2375AA6700}"/>
+                <a16:creationId xmlns:a16="http://schemas.microsoft.com/office/drawing/2014/main" id="{17C65683-3549-4F5C-AFF2-728DF9204C20}"/>
               </a:ext>
             </a:extLst>
           </p:cNvPr>
@@ -27785,8 +27395,8 @@
         </p:nvSpPr>
         <p:spPr>
           <a:xfrm>
-            <a:off x="506441" y="3343248"/>
-            <a:ext cx="10405396" cy="587441"/>
+            <a:off x="506441" y="4870219"/>
+            <a:ext cx="10919202" cy="587441"/>
           </a:xfrm>
           <a:prstGeom prst="rect">
             <a:avLst/>
@@ -28074,7 +27684,7 @@
                 </a:solidFill>
                 <a:effectLst/>
               </a:rPr>
-              <a:t>add</a:t>
+              <a:t>remove</a:t>
             </a:r>
             <a:r>
               <a:rPr lang="en-US" sz="2400" b="0" dirty="0">
@@ -28092,25 +27702,7 @@
                 </a:solidFill>
                 <a:effectLst/>
               </a:rPr>
-              <a:t>'</a:t>
-            </a:r>
-            <a:r>
-              <a:rPr lang="en-US" sz="2400" b="0" dirty="0" err="1">
-                <a:solidFill>
-                  <a:srgbClr val="A31515"/>
-                </a:solidFill>
-                <a:effectLst/>
-              </a:rPr>
-              <a:t>testClass</a:t>
-            </a:r>
-            <a:r>
-              <a:rPr lang="en-US" sz="2400" b="0" dirty="0">
-                <a:solidFill>
-                  <a:srgbClr val="A31515"/>
-                </a:solidFill>
-                <a:effectLst/>
-              </a:rPr>
-              <a:t>'</a:t>
+              <a:t>'container'</a:t>
             </a:r>
             <a:r>
               <a:rPr lang="en-US" sz="2400" b="0" dirty="0">
@@ -28121,614 +27713,6 @@
               </a:rPr>
               <a:t>);</a:t>
             </a:r>
-          </a:p>
-        </p:txBody>
-      </p:sp>
-      <p:sp>
-        <p:nvSpPr>
-          <p:cNvPr id="5" name="Text Placeholder 5">
-            <a:extLst>
-              <a:ext uri="{FF2B5EF4-FFF2-40B4-BE49-F238E27FC236}">
-                <a16:creationId xmlns:a16="http://schemas.microsoft.com/office/drawing/2014/main" id="{17C65683-3549-4F5C-AFF2-728DF9204C20}"/>
-              </a:ext>
-            </a:extLst>
-          </p:cNvPr>
-          <p:cNvSpPr txBox="1">
-            <a:spLocks/>
-          </p:cNvSpPr>
-          <p:nvPr/>
-        </p:nvSpPr>
-        <p:spPr>
-          <a:xfrm>
-            <a:off x="506441" y="4870219"/>
-            <a:ext cx="10919202" cy="587441"/>
-          </a:xfrm>
-          <a:prstGeom prst="rect">
-            <a:avLst/>
-          </a:prstGeom>
-          <a:solidFill>
-            <a:schemeClr val="accent5">
-              <a:lumMod val="40000"/>
-              <a:lumOff val="60000"/>
-              <a:alpha val="20000"/>
-            </a:schemeClr>
-          </a:solidFill>
-          <a:ln w="12700">
-            <a:solidFill>
-              <a:schemeClr val="accent5">
-                <a:lumMod val="60000"/>
-                <a:lumOff val="40000"/>
-              </a:schemeClr>
-            </a:solidFill>
-          </a:ln>
-        </p:spPr>
-        <p:txBody>
-          <a:bodyPr vert="horz" wrap="square" lIns="144000" tIns="108000" rIns="144000" bIns="108000" rtlCol="0">
-            <a:spAutoFit/>
-          </a:bodyPr>
-          <a:lstStyle>
-            <a:lvl1pPr indent="0">
-              <a:lnSpc>
-                <a:spcPct val="100000"/>
-              </a:lnSpc>
-              <a:spcBef>
-                <a:spcPts val="0"/>
-              </a:spcBef>
-              <a:spcAft>
-                <a:spcPts val="0"/>
-              </a:spcAft>
-              <a:buClr>
-                <a:srgbClr val="F2B254"/>
-              </a:buClr>
-              <a:buSzPct val="100000"/>
-              <a:buFont typeface="Wingdings" panose="05000000000000000000" pitchFamily="2" charset="2"/>
-              <a:buNone/>
-              <a:defRPr lang="en-US" b="1" noProof="1" smtClean="0">
-                <a:solidFill>
-                  <a:srgbClr val="FBEEDC"/>
-                </a:solidFill>
-                <a:effectLst>
-                  <a:outerShdw blurRad="38100" dist="38100" dir="2700000" algn="tl">
-                    <a:srgbClr val="000000">
-                      <a:alpha val="43137"/>
-                    </a:srgbClr>
-                  </a:outerShdw>
-                </a:effectLst>
-                <a:latin typeface="Consolas" pitchFamily="49" charset="0"/>
-                <a:cs typeface="Consolas" pitchFamily="49" charset="0"/>
-              </a:defRPr>
-            </a:lvl1pPr>
-            <a:lvl2pPr indent="-231606">
-              <a:lnSpc>
-                <a:spcPct val="105000"/>
-              </a:lnSpc>
-              <a:spcBef>
-                <a:spcPts val="600"/>
-              </a:spcBef>
-              <a:spcAft>
-                <a:spcPts val="600"/>
-              </a:spcAft>
-              <a:buClr>
-                <a:schemeClr val="accent1"/>
-              </a:buClr>
-              <a:buSzPct val="80000"/>
-              <a:buFont typeface="Wingdings" panose="05000000000000000000" pitchFamily="2" charset="2"/>
-              <a:buChar char="§"/>
-              <a:defRPr sz="3200" b="0"/>
-            </a:lvl2pPr>
-            <a:lvl3pPr marL="914240" indent="-231606">
-              <a:lnSpc>
-                <a:spcPct val="105000"/>
-              </a:lnSpc>
-              <a:spcBef>
-                <a:spcPts val="600"/>
-              </a:spcBef>
-              <a:spcAft>
-                <a:spcPts val="600"/>
-              </a:spcAft>
-              <a:buClr>
-                <a:srgbClr val="EF9A1D"/>
-              </a:buClr>
-              <a:buSzPct val="80000"/>
-              <a:buFont typeface="Wingdings" panose="05000000000000000000" pitchFamily="2" charset="2"/>
-              <a:buChar char="§"/>
-              <a:defRPr sz="3000" b="0"/>
-            </a:lvl3pPr>
-            <a:lvl4pPr marL="1218987" indent="-231606">
-              <a:lnSpc>
-                <a:spcPct val="105000"/>
-              </a:lnSpc>
-              <a:spcBef>
-                <a:spcPts val="600"/>
-              </a:spcBef>
-              <a:spcAft>
-                <a:spcPts val="600"/>
-              </a:spcAft>
-              <a:buClr>
-                <a:srgbClr val="ED9411"/>
-              </a:buClr>
-              <a:buSzPct val="80000"/>
-              <a:buFont typeface="Wingdings" panose="05000000000000000000" pitchFamily="2" charset="2"/>
-              <a:buChar char="§"/>
-              <a:defRPr sz="2800" b="0"/>
-            </a:lvl4pPr>
-            <a:lvl5pPr marL="1523733" indent="-231606">
-              <a:lnSpc>
-                <a:spcPct val="105000"/>
-              </a:lnSpc>
-              <a:spcBef>
-                <a:spcPts val="600"/>
-              </a:spcBef>
-              <a:spcAft>
-                <a:spcPts val="600"/>
-              </a:spcAft>
-              <a:buClr>
-                <a:srgbClr val="E28D10"/>
-              </a:buClr>
-              <a:buSzPct val="80000"/>
-              <a:buFont typeface="Wingdings" panose="05000000000000000000" pitchFamily="2" charset="2"/>
-              <a:buChar char="§"/>
-              <a:defRPr sz="2600" b="0"/>
-            </a:lvl5pPr>
-            <a:lvl6pPr marL="1828480" indent="-231606">
-              <a:lnSpc>
-                <a:spcPct val="90000"/>
-              </a:lnSpc>
-              <a:spcBef>
-                <a:spcPts val="800"/>
-              </a:spcBef>
-              <a:buClr>
-                <a:schemeClr val="accent1"/>
-              </a:buClr>
-              <a:buSzPct val="80000"/>
-              <a:buFont typeface="Arial" pitchFamily="34" charset="0"/>
-              <a:buChar char="•"/>
-              <a:defRPr sz="2000"/>
-            </a:lvl6pPr>
-            <a:lvl7pPr marL="2133227" indent="-231606">
-              <a:lnSpc>
-                <a:spcPct val="90000"/>
-              </a:lnSpc>
-              <a:spcBef>
-                <a:spcPts val="800"/>
-              </a:spcBef>
-              <a:buClr>
-                <a:schemeClr val="accent1"/>
-              </a:buClr>
-              <a:buSzPct val="80000"/>
-              <a:buFont typeface="Arial" pitchFamily="34" charset="0"/>
-              <a:buChar char="•"/>
-              <a:defRPr sz="2000"/>
-            </a:lvl7pPr>
-            <a:lvl8pPr marL="2437972" indent="-231606">
-              <a:lnSpc>
-                <a:spcPct val="90000"/>
-              </a:lnSpc>
-              <a:spcBef>
-                <a:spcPts val="800"/>
-              </a:spcBef>
-              <a:buClr>
-                <a:schemeClr val="accent1"/>
-              </a:buClr>
-              <a:buSzPct val="80000"/>
-              <a:buFont typeface="Arial" pitchFamily="34" charset="0"/>
-              <a:buChar char="•"/>
-              <a:defRPr sz="2000" baseline="0"/>
-            </a:lvl8pPr>
-            <a:lvl9pPr marL="2742720" indent="-231606">
-              <a:lnSpc>
-                <a:spcPct val="90000"/>
-              </a:lnSpc>
-              <a:spcBef>
-                <a:spcPts val="800"/>
-              </a:spcBef>
-              <a:buClr>
-                <a:schemeClr val="accent1"/>
-              </a:buClr>
-              <a:buSzPct val="80000"/>
-              <a:buFont typeface="Arial" pitchFamily="34" charset="0"/>
-              <a:buChar char="•"/>
-              <a:defRPr sz="2000" baseline="0"/>
-            </a:lvl9pPr>
-          </a:lstStyle>
-          <a:p>
-            <a:r>
-              <a:rPr lang="en-US" sz="2400" b="0" dirty="0" err="1">
-                <a:solidFill>
-                  <a:srgbClr val="267F99"/>
-                </a:solidFill>
-                <a:effectLst/>
-              </a:rPr>
-              <a:t>document</a:t>
-            </a:r>
-            <a:r>
-              <a:rPr lang="en-US" sz="2400" b="0" dirty="0" err="1">
-                <a:solidFill>
-                  <a:srgbClr val="000000"/>
-                </a:solidFill>
-                <a:effectLst/>
-              </a:rPr>
-              <a:t>.</a:t>
-            </a:r>
-            <a:r>
-              <a:rPr lang="en-US" sz="2400" b="0" dirty="0" err="1">
-                <a:solidFill>
-                  <a:srgbClr val="795E26"/>
-                </a:solidFill>
-                <a:effectLst/>
-              </a:rPr>
-              <a:t>getElementById</a:t>
-            </a:r>
-            <a:r>
-              <a:rPr lang="en-US" sz="2400" b="0" dirty="0">
-                <a:solidFill>
-                  <a:srgbClr val="000000"/>
-                </a:solidFill>
-                <a:effectLst/>
-              </a:rPr>
-              <a:t>(</a:t>
-            </a:r>
-            <a:r>
-              <a:rPr lang="en-US" sz="2400" b="0" dirty="0">
-                <a:solidFill>
-                  <a:srgbClr val="A31515"/>
-                </a:solidFill>
-                <a:effectLst/>
-              </a:rPr>
-              <a:t>'</a:t>
-            </a:r>
-            <a:r>
-              <a:rPr lang="en-US" sz="2400" b="0" dirty="0" err="1">
-                <a:solidFill>
-                  <a:srgbClr val="A31515"/>
-                </a:solidFill>
-                <a:effectLst/>
-              </a:rPr>
-              <a:t>myDiv</a:t>
-            </a:r>
-            <a:r>
-              <a:rPr lang="en-US" sz="2400" b="0" dirty="0">
-                <a:solidFill>
-                  <a:srgbClr val="A31515"/>
-                </a:solidFill>
-                <a:effectLst/>
-              </a:rPr>
-              <a:t>'</a:t>
-            </a:r>
-            <a:r>
-              <a:rPr lang="en-US" sz="2400" b="0" dirty="0">
-                <a:solidFill>
-                  <a:srgbClr val="000000"/>
-                </a:solidFill>
-                <a:effectLst/>
-              </a:rPr>
-              <a:t>).</a:t>
-            </a:r>
-            <a:r>
-              <a:rPr lang="en-US" sz="2400" b="0" dirty="0" err="1">
-                <a:solidFill>
-                  <a:srgbClr val="001080"/>
-                </a:solidFill>
-                <a:effectLst/>
-              </a:rPr>
-              <a:t>classList</a:t>
-            </a:r>
-            <a:r>
-              <a:rPr lang="en-US" sz="2400" b="0" dirty="0" err="1">
-                <a:solidFill>
-                  <a:srgbClr val="000000"/>
-                </a:solidFill>
-                <a:effectLst/>
-              </a:rPr>
-              <a:t>.</a:t>
-            </a:r>
-            <a:r>
-              <a:rPr lang="en-US" sz="2400" b="0" dirty="0" err="1">
-                <a:solidFill>
-                  <a:srgbClr val="795E26"/>
-                </a:solidFill>
-                <a:effectLst/>
-              </a:rPr>
-              <a:t>remove</a:t>
-            </a:r>
-            <a:r>
-              <a:rPr lang="en-US" sz="2400" b="0" dirty="0">
-                <a:solidFill>
-                  <a:srgbClr val="000000"/>
-                </a:solidFill>
-                <a:effectLst/>
-              </a:rPr>
-              <a:t>(</a:t>
-            </a:r>
-            <a:r>
-              <a:rPr lang="en-US" sz="2400" b="0" dirty="0">
-                <a:solidFill>
-                  <a:srgbClr val="A31515"/>
-                </a:solidFill>
-                <a:effectLst/>
-              </a:rPr>
-              <a:t>'container'</a:t>
-            </a:r>
-            <a:r>
-              <a:rPr lang="en-US" sz="2400" b="0" dirty="0">
-                <a:solidFill>
-                  <a:srgbClr val="000000"/>
-                </a:solidFill>
-                <a:effectLst/>
-              </a:rPr>
-              <a:t>);</a:t>
-            </a:r>
-          </a:p>
-        </p:txBody>
-      </p:sp>
-      <p:sp>
-        <p:nvSpPr>
-          <p:cNvPr id="6" name="Text Placeholder 5">
-            <a:extLst>
-              <a:ext uri="{FF2B5EF4-FFF2-40B4-BE49-F238E27FC236}">
-                <a16:creationId xmlns:a16="http://schemas.microsoft.com/office/drawing/2014/main" id="{03240A0B-B0EE-43C6-B125-CE94DAB7ACFB}"/>
-              </a:ext>
-            </a:extLst>
-          </p:cNvPr>
-          <p:cNvSpPr txBox="1">
-            <a:spLocks/>
-          </p:cNvSpPr>
-          <p:nvPr/>
-        </p:nvSpPr>
-        <p:spPr>
-          <a:xfrm>
-            <a:off x="506441" y="1914936"/>
-            <a:ext cx="6830530" cy="587441"/>
-          </a:xfrm>
-          <a:prstGeom prst="rect">
-            <a:avLst/>
-          </a:prstGeom>
-          <a:solidFill>
-            <a:schemeClr val="accent5">
-              <a:lumMod val="40000"/>
-              <a:lumOff val="60000"/>
-              <a:alpha val="20000"/>
-            </a:schemeClr>
-          </a:solidFill>
-          <a:ln w="12700">
-            <a:solidFill>
-              <a:schemeClr val="accent5">
-                <a:lumMod val="60000"/>
-                <a:lumOff val="40000"/>
-              </a:schemeClr>
-            </a:solidFill>
-          </a:ln>
-        </p:spPr>
-        <p:txBody>
-          <a:bodyPr vert="horz" wrap="square" lIns="144000" tIns="108000" rIns="144000" bIns="108000" rtlCol="0">
-            <a:spAutoFit/>
-          </a:bodyPr>
-          <a:lstStyle>
-            <a:lvl1pPr indent="0">
-              <a:lnSpc>
-                <a:spcPct val="100000"/>
-              </a:lnSpc>
-              <a:spcBef>
-                <a:spcPts val="0"/>
-              </a:spcBef>
-              <a:spcAft>
-                <a:spcPts val="0"/>
-              </a:spcAft>
-              <a:buClr>
-                <a:srgbClr val="F2B254"/>
-              </a:buClr>
-              <a:buSzPct val="100000"/>
-              <a:buFont typeface="Wingdings" panose="05000000000000000000" pitchFamily="2" charset="2"/>
-              <a:buNone/>
-              <a:defRPr lang="en-US" b="1" noProof="1" smtClean="0">
-                <a:solidFill>
-                  <a:srgbClr val="FBEEDC"/>
-                </a:solidFill>
-                <a:effectLst>
-                  <a:outerShdw blurRad="38100" dist="38100" dir="2700000" algn="tl">
-                    <a:srgbClr val="000000">
-                      <a:alpha val="43137"/>
-                    </a:srgbClr>
-                  </a:outerShdw>
-                </a:effectLst>
-                <a:latin typeface="Consolas" pitchFamily="49" charset="0"/>
-                <a:cs typeface="Consolas" pitchFamily="49" charset="0"/>
-              </a:defRPr>
-            </a:lvl1pPr>
-            <a:lvl2pPr indent="-231606">
-              <a:lnSpc>
-                <a:spcPct val="105000"/>
-              </a:lnSpc>
-              <a:spcBef>
-                <a:spcPts val="600"/>
-              </a:spcBef>
-              <a:spcAft>
-                <a:spcPts val="600"/>
-              </a:spcAft>
-              <a:buClr>
-                <a:schemeClr val="accent1"/>
-              </a:buClr>
-              <a:buSzPct val="80000"/>
-              <a:buFont typeface="Wingdings" panose="05000000000000000000" pitchFamily="2" charset="2"/>
-              <a:buChar char="§"/>
-              <a:defRPr sz="3200" b="0"/>
-            </a:lvl2pPr>
-            <a:lvl3pPr marL="914240" indent="-231606">
-              <a:lnSpc>
-                <a:spcPct val="105000"/>
-              </a:lnSpc>
-              <a:spcBef>
-                <a:spcPts val="600"/>
-              </a:spcBef>
-              <a:spcAft>
-                <a:spcPts val="600"/>
-              </a:spcAft>
-              <a:buClr>
-                <a:srgbClr val="EF9A1D"/>
-              </a:buClr>
-              <a:buSzPct val="80000"/>
-              <a:buFont typeface="Wingdings" panose="05000000000000000000" pitchFamily="2" charset="2"/>
-              <a:buChar char="§"/>
-              <a:defRPr sz="3000" b="0"/>
-            </a:lvl3pPr>
-            <a:lvl4pPr marL="1218987" indent="-231606">
-              <a:lnSpc>
-                <a:spcPct val="105000"/>
-              </a:lnSpc>
-              <a:spcBef>
-                <a:spcPts val="600"/>
-              </a:spcBef>
-              <a:spcAft>
-                <a:spcPts val="600"/>
-              </a:spcAft>
-              <a:buClr>
-                <a:srgbClr val="ED9411"/>
-              </a:buClr>
-              <a:buSzPct val="80000"/>
-              <a:buFont typeface="Wingdings" panose="05000000000000000000" pitchFamily="2" charset="2"/>
-              <a:buChar char="§"/>
-              <a:defRPr sz="2800" b="0"/>
-            </a:lvl4pPr>
-            <a:lvl5pPr marL="1523733" indent="-231606">
-              <a:lnSpc>
-                <a:spcPct val="105000"/>
-              </a:lnSpc>
-              <a:spcBef>
-                <a:spcPts val="600"/>
-              </a:spcBef>
-              <a:spcAft>
-                <a:spcPts val="600"/>
-              </a:spcAft>
-              <a:buClr>
-                <a:srgbClr val="E28D10"/>
-              </a:buClr>
-              <a:buSzPct val="80000"/>
-              <a:buFont typeface="Wingdings" panose="05000000000000000000" pitchFamily="2" charset="2"/>
-              <a:buChar char="§"/>
-              <a:defRPr sz="2600" b="0"/>
-            </a:lvl5pPr>
-            <a:lvl6pPr marL="1828480" indent="-231606">
-              <a:lnSpc>
-                <a:spcPct val="90000"/>
-              </a:lnSpc>
-              <a:spcBef>
-                <a:spcPts val="800"/>
-              </a:spcBef>
-              <a:buClr>
-                <a:schemeClr val="accent1"/>
-              </a:buClr>
-              <a:buSzPct val="80000"/>
-              <a:buFont typeface="Arial" pitchFamily="34" charset="0"/>
-              <a:buChar char="•"/>
-              <a:defRPr sz="2000"/>
-            </a:lvl6pPr>
-            <a:lvl7pPr marL="2133227" indent="-231606">
-              <a:lnSpc>
-                <a:spcPct val="90000"/>
-              </a:lnSpc>
-              <a:spcBef>
-                <a:spcPts val="800"/>
-              </a:spcBef>
-              <a:buClr>
-                <a:schemeClr val="accent1"/>
-              </a:buClr>
-              <a:buSzPct val="80000"/>
-              <a:buFont typeface="Arial" pitchFamily="34" charset="0"/>
-              <a:buChar char="•"/>
-              <a:defRPr sz="2000"/>
-            </a:lvl7pPr>
-            <a:lvl8pPr marL="2437972" indent="-231606">
-              <a:lnSpc>
-                <a:spcPct val="90000"/>
-              </a:lnSpc>
-              <a:spcBef>
-                <a:spcPts val="800"/>
-              </a:spcBef>
-              <a:buClr>
-                <a:schemeClr val="accent1"/>
-              </a:buClr>
-              <a:buSzPct val="80000"/>
-              <a:buFont typeface="Arial" pitchFamily="34" charset="0"/>
-              <a:buChar char="•"/>
-              <a:defRPr sz="2000" baseline="0"/>
-            </a:lvl8pPr>
-            <a:lvl9pPr marL="2742720" indent="-231606">
-              <a:lnSpc>
-                <a:spcPct val="90000"/>
-              </a:lnSpc>
-              <a:spcBef>
-                <a:spcPts val="800"/>
-              </a:spcBef>
-              <a:buClr>
-                <a:schemeClr val="accent1"/>
-              </a:buClr>
-              <a:buSzPct val="80000"/>
-              <a:buFont typeface="Arial" pitchFamily="34" charset="0"/>
-              <a:buChar char="•"/>
-              <a:defRPr sz="2000" baseline="0"/>
-            </a:lvl9pPr>
-          </a:lstStyle>
-          <a:p>
-            <a:r>
-              <a:rPr lang="en-US" sz="2400" b="0" dirty="0">
-                <a:solidFill>
-                  <a:srgbClr val="800000"/>
-                </a:solidFill>
-                <a:effectLst/>
-              </a:rPr>
-              <a:t>&lt;div</a:t>
-            </a:r>
-            <a:r>
-              <a:rPr lang="en-US" sz="2400" b="0" dirty="0">
-                <a:solidFill>
-                  <a:srgbClr val="000000"/>
-                </a:solidFill>
-                <a:effectLst/>
-              </a:rPr>
-              <a:t> </a:t>
-            </a:r>
-            <a:r>
-              <a:rPr lang="en-US" sz="2400" b="0" dirty="0">
-                <a:solidFill>
-                  <a:srgbClr val="FF0000"/>
-                </a:solidFill>
-                <a:effectLst/>
-              </a:rPr>
-              <a:t>class</a:t>
-            </a:r>
-            <a:r>
-              <a:rPr lang="en-US" sz="2400" b="0" dirty="0">
-                <a:solidFill>
-                  <a:srgbClr val="000000"/>
-                </a:solidFill>
-                <a:effectLst/>
-              </a:rPr>
-              <a:t>=</a:t>
-            </a:r>
-            <a:r>
-              <a:rPr lang="en-US" sz="2400" b="0" dirty="0">
-                <a:solidFill>
-                  <a:srgbClr val="0000FF"/>
-                </a:solidFill>
-                <a:effectLst/>
-              </a:rPr>
-              <a:t>"container div root"</a:t>
-            </a:r>
-            <a:r>
-              <a:rPr lang="en-US" sz="2400" b="0" dirty="0">
-                <a:solidFill>
-                  <a:srgbClr val="800000"/>
-                </a:solidFill>
-                <a:effectLst/>
-              </a:rPr>
-              <a:t>&gt;&lt;/div&gt;</a:t>
-            </a:r>
-            <a:endParaRPr lang="en-US" sz="2400" b="0" dirty="0">
-              <a:solidFill>
-                <a:srgbClr val="000000"/>
-              </a:solidFill>
-              <a:effectLst/>
-            </a:endParaRPr>
           </a:p>
         </p:txBody>
       </p:sp>
@@ -28891,33 +27875,6 @@
                                   </p:childTnLst>
                                 </p:cTn>
                               </p:par>
-                              <p:par>
-                                <p:cTn id="15" presetID="1" presetClass="exit" presetSubtype="0" fill="hold" grpId="0" nodeType="withEffect">
-                                  <p:stCondLst>
-                                    <p:cond delay="0"/>
-                                  </p:stCondLst>
-                                  <p:childTnLst>
-                                    <p:set>
-                                      <p:cBhvr>
-                                        <p:cTn id="16" dur="1" fill="hold">
-                                          <p:stCondLst>
-                                            <p:cond delay="0"/>
-                                          </p:stCondLst>
-                                        </p:cTn>
-                                        <p:tgtEl>
-                                          <p:spTgt spid="6"/>
-                                        </p:tgtEl>
-                                        <p:attrNameLst>
-                                          <p:attrName>style.visibility</p:attrName>
-                                        </p:attrNameLst>
-                                      </p:cBhvr>
-                                      <p:to>
-                                        <p:strVal val="hidden"/>
-                                      </p:to>
-                                    </p:set>
-                                  </p:childTnLst>
-                                </p:cTn>
-                              </p:par>
                             </p:childTnLst>
                           </p:cTn>
                         </p:par>
@@ -28925,26 +27882,26 @@
                     </p:cTn>
                   </p:par>
                   <p:par>
-                    <p:cTn id="17" fill="hold">
+                    <p:cTn id="15" fill="hold">
                       <p:stCondLst>
                         <p:cond delay="indefinite"/>
                       </p:stCondLst>
                       <p:childTnLst>
                         <p:par>
-                          <p:cTn id="18" fill="hold">
+                          <p:cTn id="16" fill="hold">
                             <p:stCondLst>
                               <p:cond delay="0"/>
                             </p:stCondLst>
                             <p:childTnLst>
                               <p:par>
-                                <p:cTn id="19" presetID="1" presetClass="entr" presetSubtype="0" fill="hold" nodeType="clickEffect">
+                                <p:cTn id="17" presetID="1" presetClass="entr" presetSubtype="0" fill="hold" nodeType="clickEffect">
                                   <p:stCondLst>
                                     <p:cond delay="0"/>
                                   </p:stCondLst>
                                   <p:childTnLst>
                                     <p:set>
                                       <p:cBhvr>
-                                        <p:cTn id="20" dur="1" fill="hold">
+                                        <p:cTn id="18" dur="1" fill="hold">
                                           <p:stCondLst>
                                             <p:cond delay="0"/>
                                           </p:stCondLst>
@@ -28974,26 +27931,26 @@
                     </p:cTn>
                   </p:par>
                   <p:par>
-                    <p:cTn id="21" fill="hold">
+                    <p:cTn id="19" fill="hold">
                       <p:stCondLst>
                         <p:cond delay="indefinite"/>
                       </p:stCondLst>
                       <p:childTnLst>
                         <p:par>
-                          <p:cTn id="22" fill="hold">
+                          <p:cTn id="20" fill="hold">
                             <p:stCondLst>
                               <p:cond delay="0"/>
                             </p:stCondLst>
                             <p:childTnLst>
                               <p:par>
-                                <p:cTn id="23" presetID="1" presetClass="entr" presetSubtype="0" fill="hold" grpId="0" nodeType="clickEffect">
+                                <p:cTn id="21" presetID="1" presetClass="entr" presetSubtype="0" fill="hold" grpId="0" nodeType="clickEffect">
                                   <p:stCondLst>
                                     <p:cond delay="0"/>
                                   </p:stCondLst>
                                   <p:childTnLst>
                                     <p:set>
                                       <p:cBhvr>
-                                        <p:cTn id="24" dur="1" fill="hold">
+                                        <p:cTn id="22" dur="1" fill="hold">
                                           <p:stCondLst>
                                             <p:cond delay="0"/>
                                           </p:stCondLst>
@@ -29012,60 +27969,15 @@
                                   </p:childTnLst>
                                 </p:cTn>
                               </p:par>
-                            </p:childTnLst>
-                          </p:cTn>
-                        </p:par>
-                      </p:childTnLst>
-                    </p:cTn>
-                  </p:par>
-                  <p:par>
-                    <p:cTn id="25" fill="hold">
-                      <p:stCondLst>
-                        <p:cond delay="indefinite"/>
-                      </p:stCondLst>
-                      <p:childTnLst>
-                        <p:par>
-                          <p:cTn id="26" fill="hold">
-                            <p:stCondLst>
-                              <p:cond delay="0"/>
-                            </p:stCondLst>
-                            <p:childTnLst>
                               <p:par>
-                                <p:cTn id="27" presetID="1" presetClass="entr" presetSubtype="0" fill="hold" grpId="0" nodeType="clickEffect">
+                                <p:cTn id="23" presetID="1" presetClass="exit" presetSubtype="0" fill="hold" grpId="1" nodeType="withEffect">
                                   <p:stCondLst>
                                     <p:cond delay="0"/>
                                   </p:stCondLst>
                                   <p:childTnLst>
                                     <p:set>
                                       <p:cBhvr>
-                                        <p:cTn id="28" dur="1" fill="hold">
-                                          <p:stCondLst>
-                                            <p:cond delay="0"/>
-                                          </p:stCondLst>
-                                        </p:cTn>
-                                        <p:tgtEl>
-                                          <p:spTgt spid="8"/>
-                                        </p:tgtEl>
-                                        <p:attrNameLst>
-                                          <p:attrName>style.visibility</p:attrName>
-                                        </p:attrNameLst>
-                                      </p:cBhvr>
-                                      <p:to>
-                                        <p:strVal val="visible"/>
-                                      </p:to>
-                                    </p:set>
-                                  </p:childTnLst>
-                                </p:cTn>
-                              </p:par>
-                              <p:par>
-                                <p:cTn id="29" presetID="1" presetClass="exit" presetSubtype="0" fill="hold" grpId="1" nodeType="withEffect">
-                                  <p:stCondLst>
-                                    <p:cond delay="0"/>
-                                  </p:stCondLst>
-                                  <p:childTnLst>
-                                    <p:set>
-                                      <p:cBhvr>
-                                        <p:cTn id="30" dur="1" fill="hold">
+                                        <p:cTn id="24" dur="1" fill="hold">
                                           <p:stCondLst>
                                             <p:cond delay="0"/>
                                           </p:stCondLst>
@@ -29114,10 +28026,8 @@
     <p:bldLst>
       <p:bldP spid="7" grpId="0" animBg="1"/>
       <p:bldP spid="7" grpId="1" animBg="1"/>
-      <p:bldP spid="8" grpId="0" animBg="1"/>
       <p:bldP spid="4" grpId="0" animBg="1"/>
       <p:bldP spid="5" grpId="0" animBg="1"/>
-      <p:bldP spid="6" grpId="0" animBg="1"/>
     </p:bldLst>
   </p:timing>
 </p:sld>
